--- a/빅데이터 플랫폼 아키텍쳐 설계_1조.pptx
+++ b/빅데이터 플랫폼 아키텍쳐 설계_1조.pptx
@@ -324,7 +324,7 @@
           <a:p>
             <a:fld id="{5C85567D-AB5D-4AC7-81EF-B47DBFAE57A2}" type="datetimeFigureOut">
               <a:rPr lang="ko-KR" altLang="en-US" smtClean="0"/>
-              <a:t>2021-08-22</a:t>
+              <a:t>2021-08-23</a:t>
             </a:fld>
             <a:endParaRPr lang="ko-KR" altLang="en-US"/>
           </a:p>
@@ -612,7 +612,7 @@
           <a:p>
             <a:fld id="{5C85567D-AB5D-4AC7-81EF-B47DBFAE57A2}" type="datetimeFigureOut">
               <a:rPr lang="ko-KR" altLang="en-US" smtClean="0"/>
-              <a:t>2021-08-22</a:t>
+              <a:t>2021-08-23</a:t>
             </a:fld>
             <a:endParaRPr lang="ko-KR" altLang="en-US"/>
           </a:p>
@@ -810,7 +810,7 @@
           <a:p>
             <a:fld id="{5C85567D-AB5D-4AC7-81EF-B47DBFAE57A2}" type="datetimeFigureOut">
               <a:rPr lang="ko-KR" altLang="en-US" smtClean="0"/>
-              <a:t>2021-08-22</a:t>
+              <a:t>2021-08-23</a:t>
             </a:fld>
             <a:endParaRPr lang="ko-KR" altLang="en-US"/>
           </a:p>
@@ -1018,7 +1018,7 @@
           <a:p>
             <a:fld id="{5C85567D-AB5D-4AC7-81EF-B47DBFAE57A2}" type="datetimeFigureOut">
               <a:rPr lang="ko-KR" altLang="en-US" smtClean="0"/>
-              <a:t>2021-08-22</a:t>
+              <a:t>2021-08-23</a:t>
             </a:fld>
             <a:endParaRPr lang="ko-KR" altLang="en-US"/>
           </a:p>
@@ -1216,7 +1216,7 @@
           <a:p>
             <a:fld id="{5C85567D-AB5D-4AC7-81EF-B47DBFAE57A2}" type="datetimeFigureOut">
               <a:rPr lang="ko-KR" altLang="en-US" smtClean="0"/>
-              <a:t>2021-08-22</a:t>
+              <a:t>2021-08-23</a:t>
             </a:fld>
             <a:endParaRPr lang="ko-KR" altLang="en-US"/>
           </a:p>
@@ -1491,7 +1491,7 @@
           <a:p>
             <a:fld id="{5C85567D-AB5D-4AC7-81EF-B47DBFAE57A2}" type="datetimeFigureOut">
               <a:rPr lang="ko-KR" altLang="en-US" smtClean="0"/>
-              <a:t>2021-08-22</a:t>
+              <a:t>2021-08-23</a:t>
             </a:fld>
             <a:endParaRPr lang="ko-KR" altLang="en-US"/>
           </a:p>
@@ -1756,7 +1756,7 @@
           <a:p>
             <a:fld id="{5C85567D-AB5D-4AC7-81EF-B47DBFAE57A2}" type="datetimeFigureOut">
               <a:rPr lang="ko-KR" altLang="en-US" smtClean="0"/>
-              <a:t>2021-08-22</a:t>
+              <a:t>2021-08-23</a:t>
             </a:fld>
             <a:endParaRPr lang="ko-KR" altLang="en-US"/>
           </a:p>
@@ -2168,7 +2168,7 @@
           <a:p>
             <a:fld id="{5C85567D-AB5D-4AC7-81EF-B47DBFAE57A2}" type="datetimeFigureOut">
               <a:rPr lang="ko-KR" altLang="en-US" smtClean="0"/>
-              <a:t>2021-08-22</a:t>
+              <a:t>2021-08-23</a:t>
             </a:fld>
             <a:endParaRPr lang="ko-KR" altLang="en-US"/>
           </a:p>
@@ -2309,7 +2309,7 @@
           <a:p>
             <a:fld id="{5C85567D-AB5D-4AC7-81EF-B47DBFAE57A2}" type="datetimeFigureOut">
               <a:rPr lang="ko-KR" altLang="en-US" smtClean="0"/>
-              <a:t>2021-08-22</a:t>
+              <a:t>2021-08-23</a:t>
             </a:fld>
             <a:endParaRPr lang="ko-KR" altLang="en-US"/>
           </a:p>
@@ -2511,7 +2511,7 @@
           <a:p>
             <a:fld id="{5C85567D-AB5D-4AC7-81EF-B47DBFAE57A2}" type="datetimeFigureOut">
               <a:rPr lang="ko-KR" altLang="en-US" smtClean="0"/>
-              <a:t>2021-08-22</a:t>
+              <a:t>2021-08-23</a:t>
             </a:fld>
             <a:endParaRPr lang="ko-KR" altLang="en-US"/>
           </a:p>
@@ -2752,7 +2752,7 @@
           <a:p>
             <a:fld id="{5C85567D-AB5D-4AC7-81EF-B47DBFAE57A2}" type="datetimeFigureOut">
               <a:rPr lang="ko-KR" altLang="en-US" smtClean="0"/>
-              <a:t>2021-08-22</a:t>
+              <a:t>2021-08-23</a:t>
             </a:fld>
             <a:endParaRPr lang="ko-KR" altLang="en-US"/>
           </a:p>
@@ -3063,7 +3063,7 @@
           <a:p>
             <a:fld id="{5C85567D-AB5D-4AC7-81EF-B47DBFAE57A2}" type="datetimeFigureOut">
               <a:rPr lang="ko-KR" altLang="en-US" smtClean="0"/>
-              <a:t>2021-08-22</a:t>
+              <a:t>2021-08-23</a:t>
             </a:fld>
             <a:endParaRPr lang="ko-KR" altLang="en-US"/>
           </a:p>
@@ -3304,7 +3304,7 @@
           <a:p>
             <a:fld id="{5C85567D-AB5D-4AC7-81EF-B47DBFAE57A2}" type="datetimeFigureOut">
               <a:rPr lang="ko-KR" altLang="en-US" smtClean="0"/>
-              <a:t>2021-08-22</a:t>
+              <a:t>2021-08-23</a:t>
             </a:fld>
             <a:endParaRPr lang="ko-KR" altLang="en-US"/>
           </a:p>
@@ -18983,10 +18983,10 @@
       </p:sp>
       <p:pic>
         <p:nvPicPr>
-          <p:cNvPr id="8" name="그림 7">
-            <a:extLst>
-              <a:ext uri="{FF2B5EF4-FFF2-40B4-BE49-F238E27FC236}">
-                <a16:creationId xmlns:a16="http://schemas.microsoft.com/office/drawing/2014/main" id="{AA03E0AB-0E10-4764-B055-01B3C2C5B6CB}"/>
+          <p:cNvPr id="12" name="그림 11">
+            <a:extLst>
+              <a:ext uri="{FF2B5EF4-FFF2-40B4-BE49-F238E27FC236}">
+                <a16:creationId xmlns:a16="http://schemas.microsoft.com/office/drawing/2014/main" id="{B75858DF-5F4B-4076-9182-2B1757BC7904}"/>
               </a:ext>
             </a:extLst>
           </p:cNvPr>
@@ -18997,41 +18997,6 @@
         </p:nvPicPr>
         <p:blipFill rotWithShape="1">
           <a:blip r:embed="rId2" cstate="screen">
-            <a:extLst>
-              <a:ext uri="{28A0092B-C50C-407E-A947-70E740481C1C}">
-                <a14:useLocalDpi xmlns:a14="http://schemas.microsoft.com/office/drawing/2010/main" val="0"/>
-              </a:ext>
-            </a:extLst>
-          </a:blip>
-          <a:srcRect/>
-          <a:stretch/>
-        </p:blipFill>
-        <p:spPr>
-          <a:xfrm>
-            <a:off x="132080" y="1774216"/>
-            <a:ext cx="4761291" cy="4366678"/>
-          </a:xfrm>
-          <a:prstGeom prst="rect">
-            <a:avLst/>
-          </a:prstGeom>
-        </p:spPr>
-      </p:pic>
-      <p:pic>
-        <p:nvPicPr>
-          <p:cNvPr id="12" name="그림 11">
-            <a:extLst>
-              <a:ext uri="{FF2B5EF4-FFF2-40B4-BE49-F238E27FC236}">
-                <a16:creationId xmlns:a16="http://schemas.microsoft.com/office/drawing/2014/main" id="{B75858DF-5F4B-4076-9182-2B1757BC7904}"/>
-              </a:ext>
-            </a:extLst>
-          </p:cNvPr>
-          <p:cNvPicPr>
-            <a:picLocks noChangeAspect="1"/>
-          </p:cNvPicPr>
-          <p:nvPr/>
-        </p:nvPicPr>
-        <p:blipFill rotWithShape="1">
-          <a:blip r:embed="rId3" cstate="screen">
             <a:extLst>
               <a:ext uri="{28A0092B-C50C-407E-A947-70E740481C1C}">
                 <a14:useLocalDpi xmlns:a14="http://schemas.microsoft.com/office/drawing/2010/main" val="0"/>
@@ -19333,6 +19298,41 @@
           </a:p>
         </p:txBody>
       </p:sp>
+      <p:pic>
+        <p:nvPicPr>
+          <p:cNvPr id="6" name="그림 5">
+            <a:extLst>
+              <a:ext uri="{FF2B5EF4-FFF2-40B4-BE49-F238E27FC236}">
+                <a16:creationId xmlns:a16="http://schemas.microsoft.com/office/drawing/2014/main" id="{7CB4724A-6FA7-42D7-99A8-E0A20B37934F}"/>
+              </a:ext>
+            </a:extLst>
+          </p:cNvPr>
+          <p:cNvPicPr>
+            <a:picLocks noChangeAspect="1"/>
+          </p:cNvPicPr>
+          <p:nvPr/>
+        </p:nvPicPr>
+        <p:blipFill rotWithShape="1">
+          <a:blip r:embed="rId3" cstate="screen">
+            <a:extLst>
+              <a:ext uri="{28A0092B-C50C-407E-A947-70E740481C1C}">
+                <a14:useLocalDpi xmlns:a14="http://schemas.microsoft.com/office/drawing/2010/main" val="0"/>
+              </a:ext>
+            </a:extLst>
+          </a:blip>
+          <a:srcRect r="-760"/>
+          <a:stretch/>
+        </p:blipFill>
+        <p:spPr>
+          <a:xfrm>
+            <a:off x="87383" y="1833372"/>
+            <a:ext cx="4856718" cy="4076700"/>
+          </a:xfrm>
+          <a:prstGeom prst="rect">
+            <a:avLst/>
+          </a:prstGeom>
+        </p:spPr>
+      </p:pic>
     </p:spTree>
     <p:extLst>
       <p:ext uri="{BB962C8B-B14F-4D97-AF65-F5344CB8AC3E}">
